--- a/Documentação/jornada do heroi.pptx
+++ b/Documentação/jornada do heroi.pptx
@@ -104,6 +104,11 @@
       </a:defRPr>
     </a:lvl9pPr>
   </p:defaultTextStyle>
+  <p:extLst>
+    <p:ext uri="{EFAFB233-063F-42B5-8137-9DF3F51BA10A}">
+      <p15:sldGuideLst xmlns:p15="http://schemas.microsoft.com/office/powerpoint/2012/main"/>
+    </p:ext>
+  </p:extLst>
 </p:presentation>
 </file>
 
@@ -254,7 +259,7 @@
           <a:p>
             <a:fld id="{ED65C313-1C03-4262-AB65-D8CFCD9834B7}" type="datetimeFigureOut">
               <a:rPr lang="pt-BR" smtClean="0"/>
-              <a:t>18/05/2024</a:t>
+              <a:t>22/05/2024</a:t>
             </a:fld>
             <a:endParaRPr lang="pt-BR"/>
           </a:p>
@@ -452,7 +457,7 @@
           <a:p>
             <a:fld id="{ED65C313-1C03-4262-AB65-D8CFCD9834B7}" type="datetimeFigureOut">
               <a:rPr lang="pt-BR" smtClean="0"/>
-              <a:t>18/05/2024</a:t>
+              <a:t>22/05/2024</a:t>
             </a:fld>
             <a:endParaRPr lang="pt-BR"/>
           </a:p>
@@ -660,7 +665,7 @@
           <a:p>
             <a:fld id="{ED65C313-1C03-4262-AB65-D8CFCD9834B7}" type="datetimeFigureOut">
               <a:rPr lang="pt-BR" smtClean="0"/>
-              <a:t>18/05/2024</a:t>
+              <a:t>22/05/2024</a:t>
             </a:fld>
             <a:endParaRPr lang="pt-BR"/>
           </a:p>
@@ -858,7 +863,7 @@
           <a:p>
             <a:fld id="{ED65C313-1C03-4262-AB65-D8CFCD9834B7}" type="datetimeFigureOut">
               <a:rPr lang="pt-BR" smtClean="0"/>
-              <a:t>18/05/2024</a:t>
+              <a:t>22/05/2024</a:t>
             </a:fld>
             <a:endParaRPr lang="pt-BR"/>
           </a:p>
@@ -1133,7 +1138,7 @@
           <a:p>
             <a:fld id="{ED65C313-1C03-4262-AB65-D8CFCD9834B7}" type="datetimeFigureOut">
               <a:rPr lang="pt-BR" smtClean="0"/>
-              <a:t>18/05/2024</a:t>
+              <a:t>22/05/2024</a:t>
             </a:fld>
             <a:endParaRPr lang="pt-BR"/>
           </a:p>
@@ -1398,7 +1403,7 @@
           <a:p>
             <a:fld id="{ED65C313-1C03-4262-AB65-D8CFCD9834B7}" type="datetimeFigureOut">
               <a:rPr lang="pt-BR" smtClean="0"/>
-              <a:t>18/05/2024</a:t>
+              <a:t>22/05/2024</a:t>
             </a:fld>
             <a:endParaRPr lang="pt-BR"/>
           </a:p>
@@ -1810,7 +1815,7 @@
           <a:p>
             <a:fld id="{ED65C313-1C03-4262-AB65-D8CFCD9834B7}" type="datetimeFigureOut">
               <a:rPr lang="pt-BR" smtClean="0"/>
-              <a:t>18/05/2024</a:t>
+              <a:t>22/05/2024</a:t>
             </a:fld>
             <a:endParaRPr lang="pt-BR"/>
           </a:p>
@@ -1951,7 +1956,7 @@
           <a:p>
             <a:fld id="{ED65C313-1C03-4262-AB65-D8CFCD9834B7}" type="datetimeFigureOut">
               <a:rPr lang="pt-BR" smtClean="0"/>
-              <a:t>18/05/2024</a:t>
+              <a:t>22/05/2024</a:t>
             </a:fld>
             <a:endParaRPr lang="pt-BR"/>
           </a:p>
@@ -2064,7 +2069,7 @@
           <a:p>
             <a:fld id="{ED65C313-1C03-4262-AB65-D8CFCD9834B7}" type="datetimeFigureOut">
               <a:rPr lang="pt-BR" smtClean="0"/>
-              <a:t>18/05/2024</a:t>
+              <a:t>22/05/2024</a:t>
             </a:fld>
             <a:endParaRPr lang="pt-BR"/>
           </a:p>
@@ -2375,7 +2380,7 @@
           <a:p>
             <a:fld id="{ED65C313-1C03-4262-AB65-D8CFCD9834B7}" type="datetimeFigureOut">
               <a:rPr lang="pt-BR" smtClean="0"/>
-              <a:t>18/05/2024</a:t>
+              <a:t>22/05/2024</a:t>
             </a:fld>
             <a:endParaRPr lang="pt-BR"/>
           </a:p>
@@ -2663,7 +2668,7 @@
           <a:p>
             <a:fld id="{ED65C313-1C03-4262-AB65-D8CFCD9834B7}" type="datetimeFigureOut">
               <a:rPr lang="pt-BR" smtClean="0"/>
-              <a:t>18/05/2024</a:t>
+              <a:t>22/05/2024</a:t>
             </a:fld>
             <a:endParaRPr lang="pt-BR"/>
           </a:p>
@@ -2904,7 +2909,7 @@
           <a:p>
             <a:fld id="{ED65C313-1C03-4262-AB65-D8CFCD9834B7}" type="datetimeFigureOut">
               <a:rPr lang="pt-BR" smtClean="0"/>
-              <a:t>18/05/2024</a:t>
+              <a:t>22/05/2024</a:t>
             </a:fld>
             <a:endParaRPr lang="pt-BR"/>
           </a:p>
@@ -3608,8 +3613,8 @@
           <a:p>
             <a:pPr algn="ctr"/>
             <a:r>
-              <a:rPr lang="pt-BR" sz="900" dirty="0"/>
-              <a:t>Descoberta e Conscientização: Curiosidade, interesse.</a:t>
+              <a:rPr lang="pt-BR" sz="800" dirty="0"/>
+              <a:t>Durante a descoberta do aplicativo, o usuário ficou curioso e interessado</a:t>
             </a:r>
           </a:p>
         </p:txBody>
@@ -3660,8 +3665,8 @@
           <a:p>
             <a:pPr algn="ctr"/>
             <a:r>
-              <a:rPr lang="pt-BR" sz="900" dirty="0"/>
-              <a:t>Primeira Interação com o Aplicativo: Expectativa, curiosidade</a:t>
+              <a:rPr lang="pt-BR" sz="800" dirty="0"/>
+              <a:t>Durante a primeira interação com o aplicativo, teve expectativa e curiosidade</a:t>
             </a:r>
           </a:p>
         </p:txBody>
@@ -3713,7 +3718,7 @@
             <a:pPr algn="ctr"/>
             <a:r>
               <a:rPr lang="pt-BR" sz="900" dirty="0"/>
-              <a:t>Exploração do Conteúdo: Interesse, surpresa</a:t>
+              <a:t>Durante a exploração no app teve interesse e surpresa</a:t>
             </a:r>
           </a:p>
         </p:txBody>
@@ -3869,7 +3874,7 @@
             <a:pPr algn="ctr"/>
             <a:r>
               <a:rPr lang="pt-BR" sz="900" dirty="0"/>
-              <a:t>Participação no Jogo da Memória: Diversão, aprendizado</a:t>
+              <a:t>Durante o jogo, o usuário teve diversão e aprendizado</a:t>
             </a:r>
           </a:p>
         </p:txBody>
@@ -3889,7 +3894,7 @@
         <p:spPr>
           <a:xfrm>
             <a:off x="9104671" y="2533000"/>
-            <a:ext cx="1170039" cy="609600"/>
+            <a:ext cx="1170039" cy="682640"/>
           </a:xfrm>
           <a:prstGeom prst="rect">
             <a:avLst/>
@@ -3920,8 +3925,8 @@
           <a:p>
             <a:pPr algn="ctr"/>
             <a:r>
-              <a:rPr lang="pt-BR" sz="1000" dirty="0"/>
-              <a:t>Conclusão e Aprendizado: motivação</a:t>
+              <a:rPr lang="pt-BR" sz="800" dirty="0"/>
+              <a:t>quando terminou, o usuário deve aprendizado e motivação para aplicar o que aprendeu</a:t>
             </a:r>
           </a:p>
         </p:txBody>
